--- a/Отчёт об эффективности СИТ Колонин/Предложение по внедрению СИТ Колонин.pptx
+++ b/Отчёт об эффективности СИТ Колонин/Предложение по внедрению СИТ Колонин.pptx
@@ -5,21 +5,22 @@
     <p:sldMasterId id="2147483648" r:id="rId1"/>
   </p:sldMasterIdLst>
   <p:notesMasterIdLst>
-    <p:notesMasterId r:id="rId14"/>
+    <p:notesMasterId r:id="rId15"/>
   </p:notesMasterIdLst>
   <p:sldIdLst>
     <p:sldId id="256" r:id="rId2"/>
     <p:sldId id="266" r:id="rId3"/>
     <p:sldId id="267" r:id="rId4"/>
     <p:sldId id="257" r:id="rId5"/>
-    <p:sldId id="258" r:id="rId6"/>
-    <p:sldId id="259" r:id="rId7"/>
-    <p:sldId id="260" r:id="rId8"/>
-    <p:sldId id="265" r:id="rId9"/>
-    <p:sldId id="261" r:id="rId10"/>
-    <p:sldId id="263" r:id="rId11"/>
-    <p:sldId id="268" r:id="rId12"/>
-    <p:sldId id="262" r:id="rId13"/>
+    <p:sldId id="269" r:id="rId6"/>
+    <p:sldId id="258" r:id="rId7"/>
+    <p:sldId id="259" r:id="rId8"/>
+    <p:sldId id="260" r:id="rId9"/>
+    <p:sldId id="265" r:id="rId10"/>
+    <p:sldId id="261" r:id="rId11"/>
+    <p:sldId id="263" r:id="rId12"/>
+    <p:sldId id="268" r:id="rId13"/>
+    <p:sldId id="262" r:id="rId14"/>
   </p:sldIdLst>
   <p:sldSz cx="12192000" cy="6858000"/>
   <p:notesSz cx="6858000" cy="9144000"/>
@@ -131,6 +132,7 @@
         <p14:section name="ПО инструментарий работников отделов" id="{65A3BDE2-261E-4C71-B147-92CBE4445EDC}">
           <p14:sldIdLst>
             <p14:sldId id="257"/>
+            <p14:sldId id="269"/>
             <p14:sldId id="258"/>
             <p14:sldId id="259"/>
             <p14:sldId id="260"/>
@@ -236,7 +238,7 @@
           <a:p>
             <a:fld id="{AB82B04D-D541-4B54-82E6-BB17858C9ACC}" type="datetimeFigureOut">
               <a:rPr lang="en-US" smtClean="0"/>
-              <a:t>3/27/2022</a:t>
+              <a:t>3/30/2022</a:t>
             </a:fld>
             <a:endParaRPr lang="en-US"/>
           </a:p>
@@ -747,7 +749,7 @@
           <a:p>
             <a:fld id="{D2E72577-8263-456F-A9D3-C1161E4F31BA}" type="slidenum">
               <a:rPr lang="en-US" smtClean="0"/>
-              <a:t>5</a:t>
+              <a:t>6</a:t>
             </a:fld>
             <a:endParaRPr lang="en-US"/>
           </a:p>
@@ -904,7 +906,7 @@
           <a:p>
             <a:fld id="{D2E72577-8263-456F-A9D3-C1161E4F31BA}" type="slidenum">
               <a:rPr lang="en-US" smtClean="0"/>
-              <a:t>6</a:t>
+              <a:t>7</a:t>
             </a:fld>
             <a:endParaRPr lang="en-US"/>
           </a:p>
@@ -1015,7 +1017,7 @@
           <a:p>
             <a:fld id="{D2E72577-8263-456F-A9D3-C1161E4F31BA}" type="slidenum">
               <a:rPr lang="en-US" smtClean="0"/>
-              <a:t>7</a:t>
+              <a:t>8</a:t>
             </a:fld>
             <a:endParaRPr lang="en-US"/>
           </a:p>
@@ -1146,7 +1148,7 @@
           <a:p>
             <a:fld id="{D2E72577-8263-456F-A9D3-C1161E4F31BA}" type="slidenum">
               <a:rPr lang="en-US" smtClean="0"/>
-              <a:t>8</a:t>
+              <a:t>9</a:t>
             </a:fld>
             <a:endParaRPr lang="en-US"/>
           </a:p>
@@ -1284,7 +1286,7 @@
           <a:p>
             <a:fld id="{D2E72577-8263-456F-A9D3-C1161E4F31BA}" type="slidenum">
               <a:rPr lang="en-US" smtClean="0"/>
-              <a:t>9</a:t>
+              <a:t>10</a:t>
             </a:fld>
             <a:endParaRPr lang="en-US"/>
           </a:p>
@@ -1368,7 +1370,7 @@
           <a:p>
             <a:fld id="{D2E72577-8263-456F-A9D3-C1161E4F31BA}" type="slidenum">
               <a:rPr lang="en-US" smtClean="0"/>
-              <a:t>10</a:t>
+              <a:t>11</a:t>
             </a:fld>
             <a:endParaRPr lang="en-US"/>
           </a:p>
@@ -1452,7 +1454,7 @@
           <a:p>
             <a:fld id="{D2E72577-8263-456F-A9D3-C1161E4F31BA}" type="slidenum">
               <a:rPr lang="en-US" smtClean="0"/>
-              <a:t>11</a:t>
+              <a:t>12</a:t>
             </a:fld>
             <a:endParaRPr lang="en-US"/>
           </a:p>
@@ -1515,29 +1517,6 @@
           <a:bodyPr/>
           <a:lstStyle/>
           <a:p>
-            <a:r>
-              <a:rPr lang="ru-RU" dirty="0"/>
-              <a:t>Заметки на будущее:</a:t>
-            </a:r>
-            <a:br>
-              <a:rPr lang="ru-RU" dirty="0"/>
-            </a:br>
-            <a:r>
-              <a:rPr lang="ru-RU" dirty="0"/>
-              <a:t>- Яндекс 360 и продукты, на которые перейдём в случае санкций</a:t>
-            </a:r>
-          </a:p>
-          <a:p>
-            <a:r>
-              <a:rPr lang="ru-RU" dirty="0"/>
-              <a:t>- Нужно посчитать стоимость внедрения всего этого</a:t>
-            </a:r>
-          </a:p>
-          <a:p>
-            <a:r>
-              <a:rPr lang="ru-RU" dirty="0"/>
-              <a:t>- </a:t>
-            </a:r>
             <a:endParaRPr lang="en-US" dirty="0"/>
           </a:p>
         </p:txBody>
@@ -1559,7 +1538,7 @@
           <a:p>
             <a:fld id="{D2E72577-8263-456F-A9D3-C1161E4F31BA}" type="slidenum">
               <a:rPr lang="en-US" smtClean="0"/>
-              <a:t>12</a:t>
+              <a:t>13</a:t>
             </a:fld>
             <a:endParaRPr lang="en-US"/>
           </a:p>
@@ -1727,7 +1706,7 @@
           <a:p>
             <a:fld id="{0AC7B9EE-909C-4113-AE68-A0D68A2E0530}" type="datetimeFigureOut">
               <a:rPr lang="en-US" smtClean="0"/>
-              <a:t>3/27/2022</a:t>
+              <a:t>3/30/2022</a:t>
             </a:fld>
             <a:endParaRPr lang="en-US"/>
           </a:p>
@@ -1927,7 +1906,7 @@
           <a:p>
             <a:fld id="{0AC7B9EE-909C-4113-AE68-A0D68A2E0530}" type="datetimeFigureOut">
               <a:rPr lang="en-US" smtClean="0"/>
-              <a:t>3/27/2022</a:t>
+              <a:t>3/30/2022</a:t>
             </a:fld>
             <a:endParaRPr lang="en-US"/>
           </a:p>
@@ -2137,7 +2116,7 @@
           <a:p>
             <a:fld id="{0AC7B9EE-909C-4113-AE68-A0D68A2E0530}" type="datetimeFigureOut">
               <a:rPr lang="en-US" smtClean="0"/>
-              <a:t>3/27/2022</a:t>
+              <a:t>3/30/2022</a:t>
             </a:fld>
             <a:endParaRPr lang="en-US"/>
           </a:p>
@@ -2337,7 +2316,7 @@
           <a:p>
             <a:fld id="{0AC7B9EE-909C-4113-AE68-A0D68A2E0530}" type="datetimeFigureOut">
               <a:rPr lang="en-US" smtClean="0"/>
-              <a:t>3/27/2022</a:t>
+              <a:t>3/30/2022</a:t>
             </a:fld>
             <a:endParaRPr lang="en-US"/>
           </a:p>
@@ -2613,7 +2592,7 @@
           <a:p>
             <a:fld id="{0AC7B9EE-909C-4113-AE68-A0D68A2E0530}" type="datetimeFigureOut">
               <a:rPr lang="en-US" smtClean="0"/>
-              <a:t>3/27/2022</a:t>
+              <a:t>3/30/2022</a:t>
             </a:fld>
             <a:endParaRPr lang="en-US"/>
           </a:p>
@@ -2881,7 +2860,7 @@
           <a:p>
             <a:fld id="{0AC7B9EE-909C-4113-AE68-A0D68A2E0530}" type="datetimeFigureOut">
               <a:rPr lang="en-US" smtClean="0"/>
-              <a:t>3/27/2022</a:t>
+              <a:t>3/30/2022</a:t>
             </a:fld>
             <a:endParaRPr lang="en-US"/>
           </a:p>
@@ -3296,7 +3275,7 @@
           <a:p>
             <a:fld id="{0AC7B9EE-909C-4113-AE68-A0D68A2E0530}" type="datetimeFigureOut">
               <a:rPr lang="en-US" smtClean="0"/>
-              <a:t>3/27/2022</a:t>
+              <a:t>3/30/2022</a:t>
             </a:fld>
             <a:endParaRPr lang="en-US"/>
           </a:p>
@@ -3438,7 +3417,7 @@
           <a:p>
             <a:fld id="{0AC7B9EE-909C-4113-AE68-A0D68A2E0530}" type="datetimeFigureOut">
               <a:rPr lang="en-US" smtClean="0"/>
-              <a:t>3/27/2022</a:t>
+              <a:t>3/30/2022</a:t>
             </a:fld>
             <a:endParaRPr lang="en-US"/>
           </a:p>
@@ -3551,7 +3530,7 @@
           <a:p>
             <a:fld id="{0AC7B9EE-909C-4113-AE68-A0D68A2E0530}" type="datetimeFigureOut">
               <a:rPr lang="en-US" smtClean="0"/>
-              <a:t>3/27/2022</a:t>
+              <a:t>3/30/2022</a:t>
             </a:fld>
             <a:endParaRPr lang="en-US"/>
           </a:p>
@@ -3864,7 +3843,7 @@
           <a:p>
             <a:fld id="{0AC7B9EE-909C-4113-AE68-A0D68A2E0530}" type="datetimeFigureOut">
               <a:rPr lang="en-US" smtClean="0"/>
-              <a:t>3/27/2022</a:t>
+              <a:t>3/30/2022</a:t>
             </a:fld>
             <a:endParaRPr lang="en-US"/>
           </a:p>
@@ -4153,7 +4132,7 @@
           <a:p>
             <a:fld id="{0AC7B9EE-909C-4113-AE68-A0D68A2E0530}" type="datetimeFigureOut">
               <a:rPr lang="en-US" smtClean="0"/>
-              <a:t>3/27/2022</a:t>
+              <a:t>3/30/2022</a:t>
             </a:fld>
             <a:endParaRPr lang="en-US"/>
           </a:p>
@@ -4396,7 +4375,7 @@
           <a:p>
             <a:fld id="{0AC7B9EE-909C-4113-AE68-A0D68A2E0530}" type="datetimeFigureOut">
               <a:rPr lang="en-US" smtClean="0"/>
-              <a:t>3/27/2022</a:t>
+              <a:t>3/30/2022</a:t>
             </a:fld>
             <a:endParaRPr lang="en-US"/>
           </a:p>
@@ -4951,6 +4930,234 @@
           <p:cNvPr id="2" name="Заголовок 1">
             <a:extLst>
               <a:ext uri="{FF2B5EF4-FFF2-40B4-BE49-F238E27FC236}">
+                <a16:creationId xmlns:a16="http://schemas.microsoft.com/office/drawing/2014/main" id="{5014369A-F44B-4D8A-A1D5-2A4ED73D05A4}"/>
+              </a:ext>
+            </a:extLst>
+          </p:cNvPr>
+          <p:cNvSpPr>
+            <a:spLocks noGrp="1"/>
+          </p:cNvSpPr>
+          <p:nvPr>
+            <p:ph type="title"/>
+          </p:nvPr>
+        </p:nvSpPr>
+        <p:spPr>
+          <a:xfrm>
+            <a:off x="838200" y="365125"/>
+            <a:ext cx="10515600" cy="892175"/>
+          </a:xfrm>
+        </p:spPr>
+        <p:txBody>
+          <a:bodyPr/>
+          <a:lstStyle/>
+          <a:p>
+            <a:pPr algn="ctr"/>
+            <a:r>
+              <a:rPr lang="ru-RU" b="1" dirty="0"/>
+              <a:t>Взаимодействие с подрядчиками</a:t>
+            </a:r>
+            <a:endParaRPr lang="en-US" b="1" dirty="0"/>
+          </a:p>
+        </p:txBody>
+      </p:sp>
+      <p:sp>
+        <p:nvSpPr>
+          <p:cNvPr id="3" name="Объект 2">
+            <a:extLst>
+              <a:ext uri="{FF2B5EF4-FFF2-40B4-BE49-F238E27FC236}">
+                <a16:creationId xmlns:a16="http://schemas.microsoft.com/office/drawing/2014/main" id="{9FC235BF-4935-4866-A73E-7FE19275CCE0}"/>
+              </a:ext>
+            </a:extLst>
+          </p:cNvPr>
+          <p:cNvSpPr>
+            <a:spLocks noGrp="1"/>
+          </p:cNvSpPr>
+          <p:nvPr>
+            <p:ph idx="1"/>
+          </p:nvPr>
+        </p:nvSpPr>
+        <p:spPr>
+          <a:xfrm>
+            <a:off x="589547" y="1394460"/>
+            <a:ext cx="11093116" cy="4782503"/>
+          </a:xfrm>
+        </p:spPr>
+        <p:txBody>
+          <a:bodyPr/>
+          <a:lstStyle/>
+          <a:p>
+            <a:pPr marL="0" indent="0">
+              <a:buNone/>
+            </a:pPr>
+            <a:r>
+              <a:rPr lang="ru-RU" dirty="0"/>
+              <a:t>Для эффективной работы с подрядчиком нужно:</a:t>
+            </a:r>
+          </a:p>
+          <a:p>
+            <a:pPr marL="514350" indent="-514350">
+              <a:buFont typeface="+mj-lt"/>
+              <a:buAutoNum type="arabicPeriod"/>
+            </a:pPr>
+            <a:r>
+              <a:rPr lang="ru-RU" dirty="0"/>
+              <a:t>Добавить подрядчика в систему (</a:t>
+            </a:r>
+            <a:r>
+              <a:rPr lang="en-US" dirty="0"/>
+              <a:t>Mas Project</a:t>
+            </a:r>
+            <a:r>
+              <a:rPr lang="ru-RU" dirty="0"/>
+              <a:t>)</a:t>
+            </a:r>
+          </a:p>
+          <a:p>
+            <a:pPr marL="514350" indent="-514350">
+              <a:buFont typeface="+mj-lt"/>
+              <a:buAutoNum type="arabicPeriod"/>
+            </a:pPr>
+            <a:r>
+              <a:rPr lang="ru-RU" dirty="0"/>
+              <a:t>Фиксировать ТЗ (Договорный отдел)</a:t>
+            </a:r>
+          </a:p>
+          <a:p>
+            <a:pPr marL="514350" indent="-514350">
+              <a:buFont typeface="+mj-lt"/>
+              <a:buAutoNum type="arabicPeriod"/>
+            </a:pPr>
+            <a:r>
+              <a:rPr lang="ru-RU" dirty="0"/>
+              <a:t>Контролировать его работу (</a:t>
+            </a:r>
+            <a:r>
+              <a:rPr lang="en-US" dirty="0"/>
+              <a:t>MS Project</a:t>
+            </a:r>
+            <a:r>
+              <a:rPr lang="ru-RU" dirty="0"/>
+              <a:t>)</a:t>
+            </a:r>
+          </a:p>
+          <a:p>
+            <a:pPr marL="514350" indent="-514350">
+              <a:buFont typeface="+mj-lt"/>
+              <a:buAutoNum type="arabicPeriod"/>
+            </a:pPr>
+            <a:r>
+              <a:rPr lang="ru-RU" dirty="0"/>
+              <a:t>Выдача обратной связи </a:t>
+            </a:r>
+            <a:r>
+              <a:rPr lang="en-US" dirty="0"/>
+              <a:t>(Mas Project)</a:t>
+            </a:r>
+            <a:endParaRPr lang="ru-RU" dirty="0"/>
+          </a:p>
+          <a:p>
+            <a:pPr marL="514350" indent="-514350">
+              <a:buFont typeface="+mj-lt"/>
+              <a:buAutoNum type="arabicPeriod"/>
+            </a:pPr>
+            <a:r>
+              <a:rPr lang="ru-RU" dirty="0"/>
+              <a:t>Фиксировать конечный результат</a:t>
+            </a:r>
+            <a:r>
+              <a:rPr lang="en-US" dirty="0"/>
+              <a:t> (MS Project)</a:t>
+            </a:r>
+            <a:endParaRPr lang="ru-RU" dirty="0"/>
+          </a:p>
+          <a:p>
+            <a:pPr marL="0" indent="0">
+              <a:buNone/>
+            </a:pPr>
+            <a:r>
+              <a:rPr lang="ru-RU" u="sng" dirty="0"/>
+              <a:t>Необходимое ПО:</a:t>
+            </a:r>
+          </a:p>
+          <a:p>
+            <a:pPr marL="0" indent="0">
+              <a:buNone/>
+            </a:pPr>
+            <a:r>
+              <a:rPr lang="en-US" dirty="0"/>
+              <a:t>MS Project</a:t>
+            </a:r>
+            <a:endParaRPr lang="ru-RU" dirty="0"/>
+          </a:p>
+          <a:p>
+            <a:pPr marL="0" indent="0">
+              <a:buNone/>
+            </a:pPr>
+            <a:r>
+              <a:rPr lang="en-US" dirty="0"/>
+              <a:t>Mas Project</a:t>
+            </a:r>
+            <a:r>
+              <a:rPr lang="ru-RU" dirty="0"/>
+              <a:t> – бесплатный для Россиян навсегда</a:t>
+            </a:r>
+            <a:endParaRPr lang="en-US" dirty="0"/>
+          </a:p>
+          <a:p>
+            <a:pPr marL="0" indent="0">
+              <a:buNone/>
+            </a:pPr>
+            <a:endParaRPr lang="en-US" dirty="0"/>
+          </a:p>
+        </p:txBody>
+      </p:sp>
+    </p:spTree>
+    <p:extLst>
+      <p:ext uri="{BB962C8B-B14F-4D97-AF65-F5344CB8AC3E}">
+        <p14:creationId xmlns:p14="http://schemas.microsoft.com/office/powerpoint/2010/main" val="614841391"/>
+      </p:ext>
+    </p:extLst>
+  </p:cSld>
+  <p:clrMapOvr>
+    <a:masterClrMapping/>
+  </p:clrMapOvr>
+  <mc:AlternateContent xmlns:mc="http://schemas.openxmlformats.org/markup-compatibility/2006" xmlns:p14="http://schemas.microsoft.com/office/powerpoint/2010/main">
+    <mc:Choice Requires="p14">
+      <p:transition spd="slow" p14:dur="1300">
+        <p14:pan dir="u"/>
+      </p:transition>
+    </mc:Choice>
+    <mc:Fallback xmlns="">
+      <p:transition spd="slow">
+        <p:fade/>
+      </p:transition>
+    </mc:Fallback>
+  </mc:AlternateContent>
+</p:sld>
+</file>
+
+<file path=ppt/slides/slide11.xml><?xml version="1.0" encoding="utf-8"?>
+<p:sld xmlns:a="http://schemas.openxmlformats.org/drawingml/2006/main" xmlns:r="http://schemas.openxmlformats.org/officeDocument/2006/relationships" xmlns:p="http://schemas.openxmlformats.org/presentationml/2006/main">
+  <p:cSld>
+    <p:spTree>
+      <p:nvGrpSpPr>
+        <p:cNvPr id="1" name=""/>
+        <p:cNvGrpSpPr/>
+        <p:nvPr/>
+      </p:nvGrpSpPr>
+      <p:grpSpPr>
+        <a:xfrm>
+          <a:off x="0" y="0"/>
+          <a:ext cx="0" cy="0"/>
+          <a:chOff x="0" y="0"/>
+          <a:chExt cx="0" cy="0"/>
+        </a:xfrm>
+      </p:grpSpPr>
+      <p:sp>
+        <p:nvSpPr>
+          <p:cNvPr id="2" name="Заголовок 1">
+            <a:extLst>
+              <a:ext uri="{FF2B5EF4-FFF2-40B4-BE49-F238E27FC236}">
                 <a16:creationId xmlns:a16="http://schemas.microsoft.com/office/drawing/2014/main" id="{7C7162C6-259C-493A-9344-66B5569EDB28}"/>
               </a:ext>
             </a:extLst>
@@ -5082,7 +5289,7 @@
 </p:sld>
 </file>
 
-<file path=ppt/slides/slide11.xml><?xml version="1.0" encoding="utf-8"?>
+<file path=ppt/slides/slide12.xml><?xml version="1.0" encoding="utf-8"?>
 <p:sld xmlns:a="http://schemas.openxmlformats.org/drawingml/2006/main" xmlns:r="http://schemas.openxmlformats.org/officeDocument/2006/relationships" xmlns:p="http://schemas.openxmlformats.org/presentationml/2006/main">
   <p:cSld>
     <p:spTree>
@@ -5179,7 +5386,7 @@
 </p:sld>
 </file>
 
-<file path=ppt/slides/slide12.xml><?xml version="1.0" encoding="utf-8"?>
+<file path=ppt/slides/slide13.xml><?xml version="1.0" encoding="utf-8"?>
 <p:sld xmlns:a="http://schemas.openxmlformats.org/drawingml/2006/main" xmlns:r="http://schemas.openxmlformats.org/officeDocument/2006/relationships" xmlns:p="http://schemas.openxmlformats.org/presentationml/2006/main">
   <p:cSld>
     <p:spTree>
@@ -5262,7 +5469,7 @@
             </a:pPr>
             <a:r>
               <a:rPr lang="ru-RU" dirty="0"/>
-              <a:t>Оценку эффективности можно будет провести спустя год после её внедрения. Собрав обратную связь от сотрудников и сравнив финансовые показатели компании.</a:t>
+              <a:t>Оценку эффективности можно будет провести спустя 3 месяца после её внедрения. Собрав обратную связь от сотрудников и сравнив финансовые показатели компании.</a:t>
             </a:r>
           </a:p>
           <a:p>
@@ -5946,6 +6153,86 @@
           <p:cNvPr id="2" name="Заголовок 1">
             <a:extLst>
               <a:ext uri="{FF2B5EF4-FFF2-40B4-BE49-F238E27FC236}">
+                <a16:creationId xmlns:a16="http://schemas.microsoft.com/office/drawing/2014/main" id="{C90D59BB-90B9-4F1D-9E4A-D828130D2D1E}"/>
+              </a:ext>
+            </a:extLst>
+          </p:cNvPr>
+          <p:cNvSpPr>
+            <a:spLocks noGrp="1"/>
+          </p:cNvSpPr>
+          <p:nvPr>
+            <p:ph type="title"/>
+          </p:nvPr>
+        </p:nvSpPr>
+        <p:spPr/>
+        <p:txBody>
+          <a:bodyPr/>
+          <a:lstStyle/>
+          <a:p>
+            <a:endParaRPr lang="en-US"/>
+          </a:p>
+        </p:txBody>
+      </p:sp>
+      <p:sp>
+        <p:nvSpPr>
+          <p:cNvPr id="3" name="Объект 2">
+            <a:extLst>
+              <a:ext uri="{FF2B5EF4-FFF2-40B4-BE49-F238E27FC236}">
+                <a16:creationId xmlns:a16="http://schemas.microsoft.com/office/drawing/2014/main" id="{89C683A5-1518-46AE-B6E6-18FB955BA134}"/>
+              </a:ext>
+            </a:extLst>
+          </p:cNvPr>
+          <p:cNvSpPr>
+            <a:spLocks noGrp="1"/>
+          </p:cNvSpPr>
+          <p:nvPr>
+            <p:ph idx="1"/>
+          </p:nvPr>
+        </p:nvSpPr>
+        <p:spPr/>
+        <p:txBody>
+          <a:bodyPr/>
+          <a:lstStyle/>
+          <a:p>
+            <a:endParaRPr lang="en-US"/>
+          </a:p>
+        </p:txBody>
+      </p:sp>
+    </p:spTree>
+    <p:extLst>
+      <p:ext uri="{BB962C8B-B14F-4D97-AF65-F5344CB8AC3E}">
+        <p14:creationId xmlns:p14="http://schemas.microsoft.com/office/powerpoint/2010/main" val="3564811405"/>
+      </p:ext>
+    </p:extLst>
+  </p:cSld>
+  <p:clrMapOvr>
+    <a:masterClrMapping/>
+  </p:clrMapOvr>
+</p:sld>
+</file>
+
+<file path=ppt/slides/slide6.xml><?xml version="1.0" encoding="utf-8"?>
+<p:sld xmlns:a="http://schemas.openxmlformats.org/drawingml/2006/main" xmlns:r="http://schemas.openxmlformats.org/officeDocument/2006/relationships" xmlns:p="http://schemas.openxmlformats.org/presentationml/2006/main">
+  <p:cSld>
+    <p:spTree>
+      <p:nvGrpSpPr>
+        <p:cNvPr id="1" name=""/>
+        <p:cNvGrpSpPr/>
+        <p:nvPr/>
+      </p:nvGrpSpPr>
+      <p:grpSpPr>
+        <a:xfrm>
+          <a:off x="0" y="0"/>
+          <a:ext cx="0" cy="0"/>
+          <a:chOff x="0" y="0"/>
+          <a:chExt cx="0" cy="0"/>
+        </a:xfrm>
+      </p:grpSpPr>
+      <p:sp>
+        <p:nvSpPr>
+          <p:cNvPr id="2" name="Заголовок 1">
+            <a:extLst>
+              <a:ext uri="{FF2B5EF4-FFF2-40B4-BE49-F238E27FC236}">
                 <a16:creationId xmlns:a16="http://schemas.microsoft.com/office/drawing/2014/main" id="{E6F04E96-5130-4DC1-A31E-7D2DDF5936C2}"/>
               </a:ext>
             </a:extLst>
@@ -6136,7 +6423,7 @@
 </p:sld>
 </file>
 
-<file path=ppt/slides/slide6.xml><?xml version="1.0" encoding="utf-8"?>
+<file path=ppt/slides/slide7.xml><?xml version="1.0" encoding="utf-8"?>
 <p:sld xmlns:a="http://schemas.openxmlformats.org/drawingml/2006/main" xmlns:r="http://schemas.openxmlformats.org/officeDocument/2006/relationships" xmlns:p="http://schemas.openxmlformats.org/presentationml/2006/main">
   <p:cSld>
     <p:spTree>
@@ -6353,7 +6640,7 @@
 </p:sld>
 </file>
 
-<file path=ppt/slides/slide7.xml><?xml version="1.0" encoding="utf-8"?>
+<file path=ppt/slides/slide8.xml><?xml version="1.0" encoding="utf-8"?>
 <p:sld xmlns:a="http://schemas.openxmlformats.org/drawingml/2006/main" xmlns:r="http://schemas.openxmlformats.org/officeDocument/2006/relationships" xmlns:p="http://schemas.openxmlformats.org/presentationml/2006/main">
   <p:cSld>
     <p:spTree>
@@ -6545,7 +6832,7 @@
 </p:sld>
 </file>
 
-<file path=ppt/slides/slide8.xml><?xml version="1.0" encoding="utf-8"?>
+<file path=ppt/slides/slide9.xml><?xml version="1.0" encoding="utf-8"?>
 <p:sld xmlns:a="http://schemas.openxmlformats.org/drawingml/2006/main" xmlns:r="http://schemas.openxmlformats.org/officeDocument/2006/relationships" xmlns:p="http://schemas.openxmlformats.org/presentationml/2006/main">
   <p:cSld>
     <p:spTree>
@@ -6749,234 +7036,6 @@
     <mc:Choice Requires="p14">
       <p:transition spd="slow" p14:dur="2000">
         <p14:prism isContent="1"/>
-      </p:transition>
-    </mc:Choice>
-    <mc:Fallback xmlns="">
-      <p:transition spd="slow">
-        <p:fade/>
-      </p:transition>
-    </mc:Fallback>
-  </mc:AlternateContent>
-</p:sld>
-</file>
-
-<file path=ppt/slides/slide9.xml><?xml version="1.0" encoding="utf-8"?>
-<p:sld xmlns:a="http://schemas.openxmlformats.org/drawingml/2006/main" xmlns:r="http://schemas.openxmlformats.org/officeDocument/2006/relationships" xmlns:p="http://schemas.openxmlformats.org/presentationml/2006/main">
-  <p:cSld>
-    <p:spTree>
-      <p:nvGrpSpPr>
-        <p:cNvPr id="1" name=""/>
-        <p:cNvGrpSpPr/>
-        <p:nvPr/>
-      </p:nvGrpSpPr>
-      <p:grpSpPr>
-        <a:xfrm>
-          <a:off x="0" y="0"/>
-          <a:ext cx="0" cy="0"/>
-          <a:chOff x="0" y="0"/>
-          <a:chExt cx="0" cy="0"/>
-        </a:xfrm>
-      </p:grpSpPr>
-      <p:sp>
-        <p:nvSpPr>
-          <p:cNvPr id="2" name="Заголовок 1">
-            <a:extLst>
-              <a:ext uri="{FF2B5EF4-FFF2-40B4-BE49-F238E27FC236}">
-                <a16:creationId xmlns:a16="http://schemas.microsoft.com/office/drawing/2014/main" id="{5014369A-F44B-4D8A-A1D5-2A4ED73D05A4}"/>
-              </a:ext>
-            </a:extLst>
-          </p:cNvPr>
-          <p:cNvSpPr>
-            <a:spLocks noGrp="1"/>
-          </p:cNvSpPr>
-          <p:nvPr>
-            <p:ph type="title"/>
-          </p:nvPr>
-        </p:nvSpPr>
-        <p:spPr>
-          <a:xfrm>
-            <a:off x="838200" y="365125"/>
-            <a:ext cx="10515600" cy="892175"/>
-          </a:xfrm>
-        </p:spPr>
-        <p:txBody>
-          <a:bodyPr/>
-          <a:lstStyle/>
-          <a:p>
-            <a:pPr algn="ctr"/>
-            <a:r>
-              <a:rPr lang="ru-RU" b="1" dirty="0"/>
-              <a:t>Взаимодействие с подрядчиками</a:t>
-            </a:r>
-            <a:endParaRPr lang="en-US" b="1" dirty="0"/>
-          </a:p>
-        </p:txBody>
-      </p:sp>
-      <p:sp>
-        <p:nvSpPr>
-          <p:cNvPr id="3" name="Объект 2">
-            <a:extLst>
-              <a:ext uri="{FF2B5EF4-FFF2-40B4-BE49-F238E27FC236}">
-                <a16:creationId xmlns:a16="http://schemas.microsoft.com/office/drawing/2014/main" id="{9FC235BF-4935-4866-A73E-7FE19275CCE0}"/>
-              </a:ext>
-            </a:extLst>
-          </p:cNvPr>
-          <p:cNvSpPr>
-            <a:spLocks noGrp="1"/>
-          </p:cNvSpPr>
-          <p:nvPr>
-            <p:ph idx="1"/>
-          </p:nvPr>
-        </p:nvSpPr>
-        <p:spPr>
-          <a:xfrm>
-            <a:off x="589547" y="1394460"/>
-            <a:ext cx="11093116" cy="4782503"/>
-          </a:xfrm>
-        </p:spPr>
-        <p:txBody>
-          <a:bodyPr/>
-          <a:lstStyle/>
-          <a:p>
-            <a:pPr marL="0" indent="0">
-              <a:buNone/>
-            </a:pPr>
-            <a:r>
-              <a:rPr lang="ru-RU" dirty="0"/>
-              <a:t>Для эффективной работы с подрядчиком нужно:</a:t>
-            </a:r>
-          </a:p>
-          <a:p>
-            <a:pPr marL="514350" indent="-514350">
-              <a:buFont typeface="+mj-lt"/>
-              <a:buAutoNum type="arabicPeriod"/>
-            </a:pPr>
-            <a:r>
-              <a:rPr lang="ru-RU" dirty="0"/>
-              <a:t>Добавить подрядчика в систему (</a:t>
-            </a:r>
-            <a:r>
-              <a:rPr lang="en-US" dirty="0"/>
-              <a:t>Mas Project</a:t>
-            </a:r>
-            <a:r>
-              <a:rPr lang="ru-RU" dirty="0"/>
-              <a:t>)</a:t>
-            </a:r>
-          </a:p>
-          <a:p>
-            <a:pPr marL="514350" indent="-514350">
-              <a:buFont typeface="+mj-lt"/>
-              <a:buAutoNum type="arabicPeriod"/>
-            </a:pPr>
-            <a:r>
-              <a:rPr lang="ru-RU" dirty="0"/>
-              <a:t>Фиксировать ТЗ (Договорный отдел)</a:t>
-            </a:r>
-          </a:p>
-          <a:p>
-            <a:pPr marL="514350" indent="-514350">
-              <a:buFont typeface="+mj-lt"/>
-              <a:buAutoNum type="arabicPeriod"/>
-            </a:pPr>
-            <a:r>
-              <a:rPr lang="ru-RU" dirty="0"/>
-              <a:t>Контролировать его работу (</a:t>
-            </a:r>
-            <a:r>
-              <a:rPr lang="en-US" dirty="0"/>
-              <a:t>MS Project</a:t>
-            </a:r>
-            <a:r>
-              <a:rPr lang="ru-RU" dirty="0"/>
-              <a:t>)</a:t>
-            </a:r>
-          </a:p>
-          <a:p>
-            <a:pPr marL="514350" indent="-514350">
-              <a:buFont typeface="+mj-lt"/>
-              <a:buAutoNum type="arabicPeriod"/>
-            </a:pPr>
-            <a:r>
-              <a:rPr lang="ru-RU" dirty="0"/>
-              <a:t>Выдача обратной связи </a:t>
-            </a:r>
-            <a:r>
-              <a:rPr lang="en-US" dirty="0"/>
-              <a:t>(Mas Project)</a:t>
-            </a:r>
-            <a:endParaRPr lang="ru-RU" dirty="0"/>
-          </a:p>
-          <a:p>
-            <a:pPr marL="514350" indent="-514350">
-              <a:buFont typeface="+mj-lt"/>
-              <a:buAutoNum type="arabicPeriod"/>
-            </a:pPr>
-            <a:r>
-              <a:rPr lang="ru-RU" dirty="0"/>
-              <a:t>Фиксировать конечный результат</a:t>
-            </a:r>
-            <a:r>
-              <a:rPr lang="en-US" dirty="0"/>
-              <a:t> (MS Project)</a:t>
-            </a:r>
-            <a:endParaRPr lang="ru-RU" dirty="0"/>
-          </a:p>
-          <a:p>
-            <a:pPr marL="0" indent="0">
-              <a:buNone/>
-            </a:pPr>
-            <a:r>
-              <a:rPr lang="ru-RU" u="sng" dirty="0"/>
-              <a:t>Необходимое ПО:</a:t>
-            </a:r>
-          </a:p>
-          <a:p>
-            <a:pPr marL="0" indent="0">
-              <a:buNone/>
-            </a:pPr>
-            <a:r>
-              <a:rPr lang="en-US" dirty="0"/>
-              <a:t>MS Project</a:t>
-            </a:r>
-            <a:endParaRPr lang="ru-RU" dirty="0"/>
-          </a:p>
-          <a:p>
-            <a:pPr marL="0" indent="0">
-              <a:buNone/>
-            </a:pPr>
-            <a:r>
-              <a:rPr lang="en-US" dirty="0"/>
-              <a:t>Mas Project</a:t>
-            </a:r>
-            <a:r>
-              <a:rPr lang="ru-RU" dirty="0"/>
-              <a:t> – бесплатный для Россиян навсегда</a:t>
-            </a:r>
-            <a:endParaRPr lang="en-US" dirty="0"/>
-          </a:p>
-          <a:p>
-            <a:pPr marL="0" indent="0">
-              <a:buNone/>
-            </a:pPr>
-            <a:endParaRPr lang="en-US" dirty="0"/>
-          </a:p>
-        </p:txBody>
-      </p:sp>
-    </p:spTree>
-    <p:extLst>
-      <p:ext uri="{BB962C8B-B14F-4D97-AF65-F5344CB8AC3E}">
-        <p14:creationId xmlns:p14="http://schemas.microsoft.com/office/powerpoint/2010/main" val="614841391"/>
-      </p:ext>
-    </p:extLst>
-  </p:cSld>
-  <p:clrMapOvr>
-    <a:masterClrMapping/>
-  </p:clrMapOvr>
-  <mc:AlternateContent xmlns:mc="http://schemas.openxmlformats.org/markup-compatibility/2006" xmlns:p14="http://schemas.microsoft.com/office/powerpoint/2010/main">
-    <mc:Choice Requires="p14">
-      <p:transition spd="slow" p14:dur="1300">
-        <p14:pan dir="u"/>
       </p:transition>
     </mc:Choice>
     <mc:Fallback xmlns="">
